--- a/SLI-AL/Workshop 3/Workshop 3.pptx
+++ b/SLI-AL/Workshop 3/Workshop 3.pptx
@@ -479,7 +479,7 @@
           <a:p>
             <a:fld id="{1C91094C-F8C4-4945-8049-97430D31642D}" type="datetimeFigureOut">
               <a:rPr lang="da-DK" smtClean="0"/>
-              <a:t>07-06-2022</a:t>
+              <a:t>08-06-2022</a:t>
             </a:fld>
             <a:endParaRPr lang="da-DK"/>
           </a:p>
@@ -677,7 +677,7 @@
           <a:p>
             <a:fld id="{1C91094C-F8C4-4945-8049-97430D31642D}" type="datetimeFigureOut">
               <a:rPr lang="da-DK" smtClean="0"/>
-              <a:t>07-06-2022</a:t>
+              <a:t>08-06-2022</a:t>
             </a:fld>
             <a:endParaRPr lang="da-DK"/>
           </a:p>
@@ -885,7 +885,7 @@
           <a:p>
             <a:fld id="{1C91094C-F8C4-4945-8049-97430D31642D}" type="datetimeFigureOut">
               <a:rPr lang="da-DK" smtClean="0"/>
-              <a:t>07-06-2022</a:t>
+              <a:t>08-06-2022</a:t>
             </a:fld>
             <a:endParaRPr lang="da-DK"/>
           </a:p>
@@ -1083,7 +1083,7 @@
           <a:p>
             <a:fld id="{1C91094C-F8C4-4945-8049-97430D31642D}" type="datetimeFigureOut">
               <a:rPr lang="da-DK" smtClean="0"/>
-              <a:t>07-06-2022</a:t>
+              <a:t>08-06-2022</a:t>
             </a:fld>
             <a:endParaRPr lang="da-DK"/>
           </a:p>
@@ -1358,7 +1358,7 @@
           <a:p>
             <a:fld id="{1C91094C-F8C4-4945-8049-97430D31642D}" type="datetimeFigureOut">
               <a:rPr lang="da-DK" smtClean="0"/>
-              <a:t>07-06-2022</a:t>
+              <a:t>08-06-2022</a:t>
             </a:fld>
             <a:endParaRPr lang="da-DK"/>
           </a:p>
@@ -1623,7 +1623,7 @@
           <a:p>
             <a:fld id="{1C91094C-F8C4-4945-8049-97430D31642D}" type="datetimeFigureOut">
               <a:rPr lang="da-DK" smtClean="0"/>
-              <a:t>07-06-2022</a:t>
+              <a:t>08-06-2022</a:t>
             </a:fld>
             <a:endParaRPr lang="da-DK"/>
           </a:p>
@@ -2035,7 +2035,7 @@
           <a:p>
             <a:fld id="{1C91094C-F8C4-4945-8049-97430D31642D}" type="datetimeFigureOut">
               <a:rPr lang="da-DK" smtClean="0"/>
-              <a:t>07-06-2022</a:t>
+              <a:t>08-06-2022</a:t>
             </a:fld>
             <a:endParaRPr lang="da-DK"/>
           </a:p>
@@ -2176,7 +2176,7 @@
           <a:p>
             <a:fld id="{1C91094C-F8C4-4945-8049-97430D31642D}" type="datetimeFigureOut">
               <a:rPr lang="da-DK" smtClean="0"/>
-              <a:t>07-06-2022</a:t>
+              <a:t>08-06-2022</a:t>
             </a:fld>
             <a:endParaRPr lang="da-DK"/>
           </a:p>
@@ -2289,7 +2289,7 @@
           <a:p>
             <a:fld id="{1C91094C-F8C4-4945-8049-97430D31642D}" type="datetimeFigureOut">
               <a:rPr lang="da-DK" smtClean="0"/>
-              <a:t>07-06-2022</a:t>
+              <a:t>08-06-2022</a:t>
             </a:fld>
             <a:endParaRPr lang="da-DK"/>
           </a:p>
@@ -2600,7 +2600,7 @@
           <a:p>
             <a:fld id="{1C91094C-F8C4-4945-8049-97430D31642D}" type="datetimeFigureOut">
               <a:rPr lang="da-DK" smtClean="0"/>
-              <a:t>07-06-2022</a:t>
+              <a:t>08-06-2022</a:t>
             </a:fld>
             <a:endParaRPr lang="da-DK"/>
           </a:p>
@@ -2888,7 +2888,7 @@
           <a:p>
             <a:fld id="{1C91094C-F8C4-4945-8049-97430D31642D}" type="datetimeFigureOut">
               <a:rPr lang="da-DK" smtClean="0"/>
-              <a:t>07-06-2022</a:t>
+              <a:t>08-06-2022</a:t>
             </a:fld>
             <a:endParaRPr lang="da-DK"/>
           </a:p>
@@ -3129,7 +3129,7 @@
           <a:p>
             <a:fld id="{1C91094C-F8C4-4945-8049-97430D31642D}" type="datetimeFigureOut">
               <a:rPr lang="da-DK" smtClean="0"/>
-              <a:t>07-06-2022</a:t>
+              <a:t>08-06-2022</a:t>
             </a:fld>
             <a:endParaRPr lang="da-DK"/>
           </a:p>
@@ -3874,8 +3874,8 @@
           </a:prstGeom>
         </p:spPr>
       </p:pic>
-      <mc:AlternateContent xmlns:mc="http://schemas.openxmlformats.org/markup-compatibility/2006">
-        <mc:Choice xmlns:p14="http://schemas.microsoft.com/office/powerpoint/2010/main" Requires="p14">
+      <mc:AlternateContent xmlns:mc="http://schemas.openxmlformats.org/markup-compatibility/2006" xmlns:p14="http://schemas.microsoft.com/office/powerpoint/2010/main">
+        <mc:Choice Requires="p14">
           <p:contentPart p14:bwMode="auto" r:id="rId9">
             <p14:nvContentPartPr>
               <p14:cNvPr id="26" name="Håndskrift 25">
@@ -3894,7 +3894,7 @@
             </p14:xfrm>
           </p:contentPart>
         </mc:Choice>
-        <mc:Fallback>
+        <mc:Fallback xmlns="">
           <p:pic>
             <p:nvPicPr>
               <p:cNvPr id="26" name="Håndskrift 25">
@@ -3945,8 +3945,8 @@
             <a:chExt cx="3943080" cy="727920"/>
           </a:xfrm>
         </p:grpSpPr>
-        <mc:AlternateContent xmlns:mc="http://schemas.openxmlformats.org/markup-compatibility/2006">
-          <mc:Choice xmlns:p14="http://schemas.microsoft.com/office/powerpoint/2010/main" Requires="p14">
+        <mc:AlternateContent xmlns:mc="http://schemas.openxmlformats.org/markup-compatibility/2006" xmlns:p14="http://schemas.microsoft.com/office/powerpoint/2010/main">
+          <mc:Choice Requires="p14">
             <p:contentPart p14:bwMode="auto" r:id="rId11">
               <p14:nvContentPartPr>
                 <p14:cNvPr id="19" name="Håndskrift 18">
@@ -3965,7 +3965,7 @@
               </p14:xfrm>
             </p:contentPart>
           </mc:Choice>
-          <mc:Fallback>
+          <mc:Fallback xmlns="">
             <p:pic>
               <p:nvPicPr>
                 <p:cNvPr id="19" name="Håndskrift 18">
@@ -3996,8 +3996,8 @@
             </p:pic>
           </mc:Fallback>
         </mc:AlternateContent>
-        <mc:AlternateContent xmlns:mc="http://schemas.openxmlformats.org/markup-compatibility/2006">
-          <mc:Choice xmlns:p14="http://schemas.microsoft.com/office/powerpoint/2010/main" Requires="p14">
+        <mc:AlternateContent xmlns:mc="http://schemas.openxmlformats.org/markup-compatibility/2006" xmlns:p14="http://schemas.microsoft.com/office/powerpoint/2010/main">
+          <mc:Choice Requires="p14">
             <p:contentPart p14:bwMode="auto" r:id="rId13">
               <p14:nvContentPartPr>
                 <p14:cNvPr id="20" name="Håndskrift 19">
@@ -4016,7 +4016,7 @@
               </p14:xfrm>
             </p:contentPart>
           </mc:Choice>
-          <mc:Fallback>
+          <mc:Fallback xmlns="">
             <p:pic>
               <p:nvPicPr>
                 <p:cNvPr id="20" name="Håndskrift 19">
@@ -4047,8 +4047,8 @@
             </p:pic>
           </mc:Fallback>
         </mc:AlternateContent>
-        <mc:AlternateContent xmlns:mc="http://schemas.openxmlformats.org/markup-compatibility/2006">
-          <mc:Choice xmlns:p14="http://schemas.microsoft.com/office/powerpoint/2010/main" Requires="p14">
+        <mc:AlternateContent xmlns:mc="http://schemas.openxmlformats.org/markup-compatibility/2006" xmlns:p14="http://schemas.microsoft.com/office/powerpoint/2010/main">
+          <mc:Choice Requires="p14">
             <p:contentPart p14:bwMode="auto" r:id="rId15">
               <p14:nvContentPartPr>
                 <p14:cNvPr id="21" name="Håndskrift 20">
@@ -4067,7 +4067,7 @@
               </p14:xfrm>
             </p:contentPart>
           </mc:Choice>
-          <mc:Fallback>
+          <mc:Fallback xmlns="">
             <p:pic>
               <p:nvPicPr>
                 <p:cNvPr id="21" name="Håndskrift 20">
@@ -4098,8 +4098,8 @@
             </p:pic>
           </mc:Fallback>
         </mc:AlternateContent>
-        <mc:AlternateContent xmlns:mc="http://schemas.openxmlformats.org/markup-compatibility/2006">
-          <mc:Choice xmlns:p14="http://schemas.microsoft.com/office/powerpoint/2010/main" Requires="p14">
+        <mc:AlternateContent xmlns:mc="http://schemas.openxmlformats.org/markup-compatibility/2006" xmlns:p14="http://schemas.microsoft.com/office/powerpoint/2010/main">
+          <mc:Choice Requires="p14">
             <p:contentPart p14:bwMode="auto" r:id="rId17">
               <p14:nvContentPartPr>
                 <p14:cNvPr id="23" name="Håndskrift 22">
@@ -4118,7 +4118,7 @@
               </p14:xfrm>
             </p:contentPart>
           </mc:Choice>
-          <mc:Fallback>
+          <mc:Fallback xmlns="">
             <p:pic>
               <p:nvPicPr>
                 <p:cNvPr id="23" name="Håndskrift 22">
@@ -4149,8 +4149,8 @@
             </p:pic>
           </mc:Fallback>
         </mc:AlternateContent>
-        <mc:AlternateContent xmlns:mc="http://schemas.openxmlformats.org/markup-compatibility/2006">
-          <mc:Choice xmlns:p14="http://schemas.microsoft.com/office/powerpoint/2010/main" Requires="p14">
+        <mc:AlternateContent xmlns:mc="http://schemas.openxmlformats.org/markup-compatibility/2006" xmlns:p14="http://schemas.microsoft.com/office/powerpoint/2010/main">
+          <mc:Choice Requires="p14">
             <p:contentPart p14:bwMode="auto" r:id="rId19">
               <p14:nvContentPartPr>
                 <p14:cNvPr id="24" name="Håndskrift 23">
@@ -4169,7 +4169,7 @@
               </p14:xfrm>
             </p:contentPart>
           </mc:Choice>
-          <mc:Fallback>
+          <mc:Fallback xmlns="">
             <p:pic>
               <p:nvPicPr>
                 <p:cNvPr id="24" name="Håndskrift 23">
@@ -4200,8 +4200,8 @@
             </p:pic>
           </mc:Fallback>
         </mc:AlternateContent>
-        <mc:AlternateContent xmlns:mc="http://schemas.openxmlformats.org/markup-compatibility/2006">
-          <mc:Choice xmlns:p14="http://schemas.microsoft.com/office/powerpoint/2010/main" Requires="p14">
+        <mc:AlternateContent xmlns:mc="http://schemas.openxmlformats.org/markup-compatibility/2006" xmlns:p14="http://schemas.microsoft.com/office/powerpoint/2010/main">
+          <mc:Choice Requires="p14">
             <p:contentPart p14:bwMode="auto" r:id="rId21">
               <p14:nvContentPartPr>
                 <p14:cNvPr id="28" name="Håndskrift 27">
@@ -4220,7 +4220,7 @@
               </p14:xfrm>
             </p:contentPart>
           </mc:Choice>
-          <mc:Fallback>
+          <mc:Fallback xmlns="">
             <p:pic>
               <p:nvPicPr>
                 <p:cNvPr id="28" name="Håndskrift 27">
@@ -4251,8 +4251,8 @@
             </p:pic>
           </mc:Fallback>
         </mc:AlternateContent>
-        <mc:AlternateContent xmlns:mc="http://schemas.openxmlformats.org/markup-compatibility/2006">
-          <mc:Choice xmlns:p14="http://schemas.microsoft.com/office/powerpoint/2010/main" Requires="p14">
+        <mc:AlternateContent xmlns:mc="http://schemas.openxmlformats.org/markup-compatibility/2006" xmlns:p14="http://schemas.microsoft.com/office/powerpoint/2010/main">
+          <mc:Choice Requires="p14">
             <p:contentPart p14:bwMode="auto" r:id="rId23">
               <p14:nvContentPartPr>
                 <p14:cNvPr id="29" name="Håndskrift 28">
@@ -4271,7 +4271,7 @@
               </p14:xfrm>
             </p:contentPart>
           </mc:Choice>
-          <mc:Fallback>
+          <mc:Fallback xmlns="">
             <p:pic>
               <p:nvPicPr>
                 <p:cNvPr id="29" name="Håndskrift 28">
